--- a/2_commit/commit-samples.pptx
+++ b/2_commit/commit-samples.pptx
@@ -111,6 +111,11 @@
       </a:defRPr>
     </a:lvl9pPr>
   </p:defaultTextStyle>
+  <p:extLst>
+    <p:ext uri="{EFAFB233-063F-42B5-8137-9DF3F51BA10A}">
+      <p15:sldGuideLst xmlns:p15="http://schemas.microsoft.com/office/powerpoint/2012/main"/>
+    </p:ext>
+  </p:extLst>
 </p:presentation>
 </file>
 
@@ -4762,6 +4767,22 @@
               <a:rPr lang="de-DE" dirty="0" err="1"/>
               <a:t>Slides</a:t>
             </a:r>
+            <a:r>
+              <a:rPr lang="de-DE" dirty="0"/>
+              <a:t> – </a:t>
+            </a:r>
+            <a:r>
+              <a:rPr lang="de-DE" dirty="0" err="1"/>
+              <a:t>commit</a:t>
+            </a:r>
+            <a:r>
+              <a:rPr lang="de-DE" dirty="0"/>
+              <a:t> </a:t>
+            </a:r>
+            <a:r>
+              <a:rPr lang="de-DE" dirty="0" err="1"/>
+              <a:t>phase</a:t>
+            </a:r>
             <a:endParaRPr lang="de-DE" dirty="0"/>
           </a:p>
         </p:txBody>
